--- a/slides/course_slides.pptx
+++ b/slides/course_slides.pptx
@@ -24,7 +24,6 @@
     <p:sldId id="271" r:id="rId19"/>
     <p:sldId id="272" r:id="rId20"/>
     <p:sldId id="273" r:id="rId21"/>
-    <p:sldId id="274" r:id="rId22"/>
   </p:sldIdLst>
   <p:sldSz cx="12192000" cy="6858000"/>
   <p:notesSz cx="7772400" cy="10058400"/>
@@ -3065,7 +3064,7 @@
                 <a:spcPct val="100000"/>
               </a:lnSpc>
             </a:pPr>
-            <a:fld id="{45CD2443-B32A-43B5-9726-612322C8C913}" type="datetime">
+            <a:fld id="{7BB8C9A1-AF4A-4AAF-B8B0-C5E495B61FCC}" type="datetime">
               <a:rPr b="0" lang="en-US" sz="1200" spc="-1" strike="noStrike">
                 <a:solidFill>
                   <a:srgbClr val="8b8b8b"/>
@@ -3077,7 +3076,7 @@
                 </a:uFill>
                 <a:latin typeface="Calibri"/>
               </a:rPr>
-              <a:t>9/20/16</a:t>
+              <a:t>9/21/16</a:t>
             </a:fld>
             <a:endParaRPr b="0" lang="en-US" sz="1200" spc="-1" strike="noStrike">
               <a:solidFill>
@@ -3156,7 +3155,7 @@
                 <a:spcPct val="100000"/>
               </a:lnSpc>
             </a:pPr>
-            <a:fld id="{FA31A301-BF91-479C-9334-8BC875A5C112}" type="slidenum">
+            <a:fld id="{9732CD60-DAB3-42C4-A38D-4748BB0278AA}" type="slidenum">
               <a:rPr b="0" lang="en-US" sz="1200" spc="-1" strike="noStrike">
                 <a:solidFill>
                   <a:srgbClr val="8b8b8b"/>
@@ -3913,7 +3912,7 @@
               </a:rPr>
               <a:t>Quarto nível</a:t>
             </a:r>
-            <a:endParaRPr b="0" lang="en-US" sz="1800" spc="-1" strike="noStrike">
+            <a:endParaRPr b="0" lang="en-US" sz="2800" spc="-1" strike="noStrike">
               <a:solidFill>
                 <a:srgbClr val="000000"/>
               </a:solidFill>
@@ -3951,7 +3950,7 @@
               </a:rPr>
               <a:t>Quinto nível</a:t>
             </a:r>
-            <a:endParaRPr b="0" lang="en-US" sz="2000" spc="-1" strike="noStrike">
+            <a:endParaRPr b="0" lang="en-US" sz="2800" spc="-1" strike="noStrike">
               <a:solidFill>
                 <a:srgbClr val="000000"/>
               </a:solidFill>
@@ -3992,7 +3991,7 @@
                 <a:spcPct val="100000"/>
               </a:lnSpc>
             </a:pPr>
-            <a:fld id="{527DEE44-D572-4C22-8C24-EE871E03A34C}" type="datetime">
+            <a:fld id="{62F604D8-9C7F-4FBA-B4AD-A5CB42F0616B}" type="datetime">
               <a:rPr b="0" lang="en-US" sz="1200" spc="-1" strike="noStrike">
                 <a:solidFill>
                   <a:srgbClr val="8b8b8b"/>
@@ -4004,7 +4003,7 @@
                 </a:uFill>
                 <a:latin typeface="Calibri"/>
               </a:rPr>
-              <a:t>9/20/16</a:t>
+              <a:t>9/21/16</a:t>
             </a:fld>
             <a:endParaRPr b="0" lang="en-US" sz="1200" spc="-1" strike="noStrike">
               <a:solidFill>
@@ -4083,7 +4082,7 @@
                 <a:spcPct val="100000"/>
               </a:lnSpc>
             </a:pPr>
-            <a:fld id="{553EBDAE-3482-4097-A7AE-8CC5A331AF02}" type="slidenum">
+            <a:fld id="{D51E2D75-4475-4348-BB43-02E5898A9763}" type="slidenum">
               <a:rPr b="0" lang="en-US" sz="1200" spc="-1" strike="noStrike">
                 <a:solidFill>
                   <a:srgbClr val="8b8b8b"/>
@@ -4433,7 +4432,7 @@
                 </a:uFill>
                 <a:latin typeface="DejaVu Sans"/>
               </a:rPr>
-              <a:t># docker ps</a:t>
+              <a:t># docker ps / docker ps -a</a:t>
             </a:r>
             <a:endParaRPr b="0" lang="en-US" sz="1800" spc="-1" strike="noStrike">
               <a:solidFill>
@@ -4527,7 +4526,7 @@
                 </a:uFill>
                 <a:latin typeface="DejaVu Sans"/>
               </a:rPr>
-              <a:t># docker ps</a:t>
+              <a:t># docker ps / docker ps -a</a:t>
             </a:r>
             <a:endParaRPr b="0" lang="en-US" sz="1800" spc="-1" strike="noStrike">
               <a:solidFill>
@@ -4728,34 +4727,34 @@
                 </a:uFill>
                 <a:latin typeface="DejaVu Sans"/>
               </a:rPr>
-              <a:t>List all containers</a:t>
-            </a:r>
-            <a:endParaRPr b="0" lang="en-US" sz="1800" spc="-1" strike="noStrike">
-              <a:solidFill>
-                <a:srgbClr val="000000"/>
-              </a:solidFill>
-              <a:uFill>
-                <a:solidFill>
-                  <a:srgbClr val="ffffff"/>
-                </a:solidFill>
-              </a:uFill>
-              <a:latin typeface="DejaVu Sans"/>
-            </a:endParaRPr>
-          </a:p>
-          <a:p>
-            <a:r>
-              <a:rPr b="0" lang="en-US" sz="1800" spc="-1" strike="noStrike">
-                <a:solidFill>
-                  <a:srgbClr val="000000"/>
-                </a:solidFill>
-                <a:uFill>
-                  <a:solidFill>
-                    <a:srgbClr val="ffffff"/>
-                  </a:solidFill>
-                </a:uFill>
-                <a:latin typeface="DejaVu Sans"/>
-              </a:rPr>
-              <a:t># docker ps -a</a:t>
+              <a:t>Access container’s Command Line</a:t>
+            </a:r>
+            <a:endParaRPr b="0" lang="en-US" sz="1800" spc="-1" strike="noStrike">
+              <a:solidFill>
+                <a:srgbClr val="000000"/>
+              </a:solidFill>
+              <a:uFill>
+                <a:solidFill>
+                  <a:srgbClr val="ffffff"/>
+                </a:solidFill>
+              </a:uFill>
+              <a:latin typeface="DejaVu Sans"/>
+            </a:endParaRPr>
+          </a:p>
+          <a:p>
+            <a:r>
+              <a:rPr b="0" lang="en-US" sz="1800" spc="-1" strike="noStrike">
+                <a:solidFill>
+                  <a:srgbClr val="000000"/>
+                </a:solidFill>
+                <a:uFill>
+                  <a:solidFill>
+                    <a:srgbClr val="ffffff"/>
+                  </a:solidFill>
+                </a:uFill>
+                <a:latin typeface="DejaVu Sans"/>
+              </a:rPr>
+              <a:t># docker exec -ti my_webserver bash</a:t>
             </a:r>
             <a:endParaRPr b="0" lang="en-US" sz="1800" spc="-1" strike="noStrike">
               <a:solidFill>
@@ -5431,7 +5430,7 @@
                 </a:uFill>
                 <a:latin typeface="DejaVu Sans"/>
               </a:rPr>
-              <a:t>Commands for containers</a:t>
+              <a:t>Other Docker Commands</a:t>
             </a:r>
             <a:endParaRPr b="0" lang="en-US" sz="1800" spc="-1" strike="noStrike">
               <a:solidFill>
@@ -5471,34 +5470,34 @@
                 </a:uFill>
                 <a:latin typeface="DejaVu Sans"/>
               </a:rPr>
-              <a:t>Inspect</a:t>
-            </a:r>
-            <a:endParaRPr b="0" lang="en-US" sz="1800" spc="-1" strike="noStrike">
-              <a:solidFill>
-                <a:srgbClr val="000000"/>
-              </a:solidFill>
-              <a:uFill>
-                <a:solidFill>
-                  <a:srgbClr val="ffffff"/>
-                </a:solidFill>
-              </a:uFill>
-              <a:latin typeface="DejaVu Sans"/>
-            </a:endParaRPr>
-          </a:p>
-          <a:p>
-            <a:r>
-              <a:rPr b="0" lang="en-US" sz="1800" spc="-1" strike="noStrike">
-                <a:solidFill>
-                  <a:srgbClr val="000000"/>
-                </a:solidFill>
-                <a:uFill>
-                  <a:solidFill>
-                    <a:srgbClr val="ffffff"/>
-                  </a:solidFill>
-                </a:uFill>
-                <a:latin typeface="DejaVu Sans"/>
-              </a:rPr>
-              <a:t># docker inspect </a:t>
+              <a:t>Events</a:t>
+            </a:r>
+            <a:endParaRPr b="0" lang="en-US" sz="1800" spc="-1" strike="noStrike">
+              <a:solidFill>
+                <a:srgbClr val="000000"/>
+              </a:solidFill>
+              <a:uFill>
+                <a:solidFill>
+                  <a:srgbClr val="ffffff"/>
+                </a:solidFill>
+              </a:uFill>
+              <a:latin typeface="DejaVu Sans"/>
+            </a:endParaRPr>
+          </a:p>
+          <a:p>
+            <a:r>
+              <a:rPr b="0" lang="en-US" sz="1800" spc="-1" strike="noStrike">
+                <a:solidFill>
+                  <a:srgbClr val="000000"/>
+                </a:solidFill>
+                <a:uFill>
+                  <a:solidFill>
+                    <a:srgbClr val="ffffff"/>
+                  </a:solidFill>
+                </a:uFill>
+                <a:latin typeface="DejaVu Sans"/>
+              </a:rPr>
+              <a:t># docker events </a:t>
             </a:r>
             <a:endParaRPr b="0" lang="en-US" sz="1800" spc="-1" strike="noStrike">
               <a:solidFill>
@@ -5538,34 +5537,34 @@
                 </a:uFill>
                 <a:latin typeface="DejaVu Sans"/>
               </a:rPr>
-              <a:t>Events</a:t>
-            </a:r>
-            <a:endParaRPr b="0" lang="en-US" sz="1800" spc="-1" strike="noStrike">
-              <a:solidFill>
-                <a:srgbClr val="000000"/>
-              </a:solidFill>
-              <a:uFill>
-                <a:solidFill>
-                  <a:srgbClr val="ffffff"/>
-                </a:solidFill>
-              </a:uFill>
-              <a:latin typeface="DejaVu Sans"/>
-            </a:endParaRPr>
-          </a:p>
-          <a:p>
-            <a:r>
-              <a:rPr b="0" lang="en-US" sz="1800" spc="-1" strike="noStrike">
-                <a:solidFill>
-                  <a:srgbClr val="000000"/>
-                </a:solidFill>
-                <a:uFill>
-                  <a:solidFill>
-                    <a:srgbClr val="ffffff"/>
-                  </a:solidFill>
-                </a:uFill>
-                <a:latin typeface="DejaVu Sans"/>
-              </a:rPr>
-              <a:t># docker events </a:t>
+              <a:t>Inspect Container</a:t>
+            </a:r>
+            <a:endParaRPr b="0" lang="en-US" sz="1800" spc="-1" strike="noStrike">
+              <a:solidFill>
+                <a:srgbClr val="000000"/>
+              </a:solidFill>
+              <a:uFill>
+                <a:solidFill>
+                  <a:srgbClr val="ffffff"/>
+                </a:solidFill>
+              </a:uFill>
+              <a:latin typeface="DejaVu Sans"/>
+            </a:endParaRPr>
+          </a:p>
+          <a:p>
+            <a:r>
+              <a:rPr b="0" lang="en-US" sz="1800" spc="-1" strike="noStrike">
+                <a:solidFill>
+                  <a:srgbClr val="000000"/>
+                </a:solidFill>
+                <a:uFill>
+                  <a:solidFill>
+                    <a:srgbClr val="ffffff"/>
+                  </a:solidFill>
+                </a:uFill>
+                <a:latin typeface="DejaVu Sans"/>
+              </a:rPr>
+              <a:t># docker inspect my_webserver</a:t>
             </a:r>
             <a:endParaRPr b="0" lang="en-US" sz="1800" spc="-1" strike="noStrike">
               <a:solidFill>
@@ -5605,61 +5604,102 @@
                 </a:uFill>
                 <a:latin typeface="DejaVu Sans"/>
               </a:rPr>
-              <a:t>Logs</a:t>
-            </a:r>
-            <a:endParaRPr b="0" lang="en-US" sz="1800" spc="-1" strike="noStrike">
-              <a:solidFill>
-                <a:srgbClr val="000000"/>
-              </a:solidFill>
-              <a:uFill>
-                <a:solidFill>
-                  <a:srgbClr val="ffffff"/>
-                </a:solidFill>
-              </a:uFill>
-              <a:latin typeface="DejaVu Sans"/>
-            </a:endParaRPr>
-          </a:p>
-          <a:p>
-            <a:r>
-              <a:rPr b="0" lang="en-US" sz="1800" spc="-1" strike="noStrike">
-                <a:solidFill>
-                  <a:srgbClr val="000000"/>
-                </a:solidFill>
-                <a:uFill>
-                  <a:solidFill>
-                    <a:srgbClr val="ffffff"/>
-                  </a:solidFill>
-                </a:uFill>
-                <a:latin typeface="DejaVu Sans"/>
-              </a:rPr>
-              <a:t># docker logs findmore_web:v2</a:t>
-            </a:r>
-            <a:endParaRPr b="0" lang="en-US" sz="1800" spc="-1" strike="noStrike">
-              <a:solidFill>
-                <a:srgbClr val="000000"/>
-              </a:solidFill>
-              <a:uFill>
-                <a:solidFill>
-                  <a:srgbClr val="ffffff"/>
-                </a:solidFill>
-              </a:uFill>
-              <a:latin typeface="DejaVu Sans"/>
-            </a:endParaRPr>
-          </a:p>
-          <a:p>
-            <a:endParaRPr b="0" lang="en-US" sz="1800" spc="-1" strike="noStrike">
-              <a:solidFill>
-                <a:srgbClr val="000000"/>
-              </a:solidFill>
-              <a:uFill>
-                <a:solidFill>
-                  <a:srgbClr val="ffffff"/>
-                </a:solidFill>
-              </a:uFill>
-              <a:latin typeface="DejaVu Sans"/>
-            </a:endParaRPr>
-          </a:p>
-          <a:p>
+              <a:t>Logs - Container</a:t>
+            </a:r>
+            <a:endParaRPr b="0" lang="en-US" sz="1800" spc="-1" strike="noStrike">
+              <a:solidFill>
+                <a:srgbClr val="000000"/>
+              </a:solidFill>
+              <a:uFill>
+                <a:solidFill>
+                  <a:srgbClr val="ffffff"/>
+                </a:solidFill>
+              </a:uFill>
+              <a:latin typeface="DejaVu Sans"/>
+            </a:endParaRPr>
+          </a:p>
+          <a:p>
+            <a:r>
+              <a:rPr b="0" lang="en-US" sz="1800" spc="-1" strike="noStrike">
+                <a:solidFill>
+                  <a:srgbClr val="000000"/>
+                </a:solidFill>
+                <a:uFill>
+                  <a:solidFill>
+                    <a:srgbClr val="ffffff"/>
+                  </a:solidFill>
+                </a:uFill>
+                <a:latin typeface="DejaVu Sans"/>
+              </a:rPr>
+              <a:t># docker logs my_webserver</a:t>
+            </a:r>
+            <a:endParaRPr b="0" lang="en-US" sz="1800" spc="-1" strike="noStrike">
+              <a:solidFill>
+                <a:srgbClr val="000000"/>
+              </a:solidFill>
+              <a:uFill>
+                <a:solidFill>
+                  <a:srgbClr val="ffffff"/>
+                </a:solidFill>
+              </a:uFill>
+              <a:latin typeface="DejaVu Sans"/>
+            </a:endParaRPr>
+          </a:p>
+          <a:p>
+            <a:endParaRPr b="0" lang="en-US" sz="1800" spc="-1" strike="noStrike">
+              <a:solidFill>
+                <a:srgbClr val="000000"/>
+              </a:solidFill>
+              <a:uFill>
+                <a:solidFill>
+                  <a:srgbClr val="ffffff"/>
+                </a:solidFill>
+              </a:uFill>
+              <a:latin typeface="DejaVu Sans"/>
+            </a:endParaRPr>
+          </a:p>
+          <a:p>
+            <a:r>
+              <a:rPr b="1" lang="en-US" sz="1800" spc="-1" strike="noStrike">
+                <a:solidFill>
+                  <a:srgbClr val="000000"/>
+                </a:solidFill>
+                <a:uFill>
+                  <a:solidFill>
+                    <a:srgbClr val="ffffff"/>
+                  </a:solidFill>
+                </a:uFill>
+                <a:latin typeface="DejaVu Sans"/>
+              </a:rPr>
+              <a:t>History - Image</a:t>
+            </a:r>
+            <a:endParaRPr b="0" lang="en-US" sz="1800" spc="-1" strike="noStrike">
+              <a:solidFill>
+                <a:srgbClr val="000000"/>
+              </a:solidFill>
+              <a:uFill>
+                <a:solidFill>
+                  <a:srgbClr val="ffffff"/>
+                </a:solidFill>
+              </a:uFill>
+              <a:latin typeface="DejaVu Sans"/>
+            </a:endParaRPr>
+          </a:p>
+          <a:p>
+            <a:r>
+              <a:rPr b="0" lang="en-US" sz="1800" spc="-1" strike="noStrike">
+                <a:solidFill>
+                  <a:srgbClr val="000000"/>
+                </a:solidFill>
+                <a:uFill>
+                  <a:solidFill>
+                    <a:srgbClr val="ffffff"/>
+                  </a:solidFill>
+                </a:uFill>
+                <a:latin typeface="DejaVu Sans"/>
+              </a:rPr>
+              <a:t># docker history findmore_web:v2</a:t>
+            </a:r>
             <a:endParaRPr b="0" lang="en-US" sz="1800" spc="-1" strike="noStrike">
               <a:solidFill>
                 <a:srgbClr val="000000"/>
@@ -5917,34 +5957,34 @@
                 </a:uFill>
                 <a:latin typeface="DejaVu Sans"/>
               </a:rPr>
-              <a:t>RUN yum -y update &amp;&amp; yum clean all</a:t>
-            </a:r>
-            <a:endParaRPr b="0" lang="en-US" sz="1800" spc="-1" strike="noStrike">
-              <a:solidFill>
-                <a:srgbClr val="000000"/>
-              </a:solidFill>
-              <a:uFill>
-                <a:solidFill>
-                  <a:srgbClr val="ffffff"/>
-                </a:solidFill>
-              </a:uFill>
-              <a:latin typeface="DejaVu Sans"/>
-            </a:endParaRPr>
-          </a:p>
-          <a:p>
-            <a:r>
-              <a:rPr b="0" lang="en-US" sz="1800" spc="-1" strike="noStrike">
-                <a:solidFill>
-                  <a:srgbClr val="000000"/>
-                </a:solidFill>
-                <a:uFill>
-                  <a:solidFill>
-                    <a:srgbClr val="ffffff"/>
-                  </a:solidFill>
-                </a:uFill>
-                <a:latin typeface="DejaVu Sans"/>
-              </a:rPr>
-              <a:t>RUN yum install -y curl vim net-tools httpd git &amp;&amp; yum clean all</a:t>
+              <a:t>RUN yum -y update</a:t>
+            </a:r>
+            <a:endParaRPr b="0" lang="en-US" sz="1800" spc="-1" strike="noStrike">
+              <a:solidFill>
+                <a:srgbClr val="000000"/>
+              </a:solidFill>
+              <a:uFill>
+                <a:solidFill>
+                  <a:srgbClr val="ffffff"/>
+                </a:solidFill>
+              </a:uFill>
+              <a:latin typeface="DejaVu Sans"/>
+            </a:endParaRPr>
+          </a:p>
+          <a:p>
+            <a:r>
+              <a:rPr b="0" lang="en-US" sz="1800" spc="-1" strike="noStrike">
+                <a:solidFill>
+                  <a:srgbClr val="000000"/>
+                </a:solidFill>
+                <a:uFill>
+                  <a:solidFill>
+                    <a:srgbClr val="ffffff"/>
+                  </a:solidFill>
+                </a:uFill>
+                <a:latin typeface="DejaVu Sans"/>
+              </a:rPr>
+              <a:t>RUN yum install -y curl vim net-tools httpd git</a:t>
             </a:r>
             <a:endParaRPr b="0" lang="en-US" sz="1800" spc="-1" strike="noStrike">
               <a:solidFill>
@@ -7540,19 +7580,46 @@
             </a:endParaRPr>
           </a:p>
           <a:p>
-            <a:r>
-              <a:rPr b="0" lang="en-US" sz="1800" spc="-1" strike="noStrike">
-                <a:solidFill>
-                  <a:srgbClr val="000000"/>
-                </a:solidFill>
-                <a:uFill>
-                  <a:solidFill>
-                    <a:srgbClr val="ffffff"/>
-                  </a:solidFill>
-                </a:uFill>
-                <a:latin typeface="DejaVu Sans"/>
-              </a:rPr>
-              <a:t>Docker Documentation: </a:t>
+            <a:endParaRPr b="0" lang="en-US" sz="1800" spc="-1" strike="noStrike">
+              <a:solidFill>
+                <a:srgbClr val="000000"/>
+              </a:solidFill>
+              <a:uFill>
+                <a:solidFill>
+                  <a:srgbClr val="ffffff"/>
+                </a:solidFill>
+              </a:uFill>
+              <a:latin typeface="DejaVu Sans"/>
+            </a:endParaRPr>
+          </a:p>
+          <a:p>
+            <a:r>
+              <a:rPr b="1" lang="en-US" sz="1800" spc="-1" strike="noStrike">
+                <a:solidFill>
+                  <a:srgbClr val="000000"/>
+                </a:solidFill>
+                <a:uFill>
+                  <a:solidFill>
+                    <a:srgbClr val="ffffff"/>
+                  </a:solidFill>
+                </a:uFill>
+                <a:latin typeface="DejaVu Sans"/>
+              </a:rPr>
+              <a:t>Docker Documentation</a:t>
+            </a:r>
+            <a:r>
+              <a:rPr b="0" lang="en-US" sz="1800" spc="-1" strike="noStrike">
+                <a:solidFill>
+                  <a:srgbClr val="000000"/>
+                </a:solidFill>
+                <a:uFill>
+                  <a:solidFill>
+                    <a:srgbClr val="ffffff"/>
+                  </a:solidFill>
+                </a:uFill>
+                <a:latin typeface="DejaVu Sans"/>
+              </a:rPr>
+              <a:t>: </a:t>
             </a:r>
             <a:r>
               <a:rPr b="0" lang="en-US" sz="1800" spc="-1" strike="noStrike">
@@ -7582,46 +7649,34 @@
             </a:endParaRPr>
           </a:p>
           <a:p>
-            <a:endParaRPr b="0" lang="en-US" sz="1800" spc="-1" strike="noStrike">
-              <a:solidFill>
-                <a:srgbClr val="000000"/>
-              </a:solidFill>
-              <a:uFill>
-                <a:solidFill>
-                  <a:srgbClr val="ffffff"/>
-                </a:solidFill>
-              </a:uFill>
-              <a:latin typeface="DejaVu Sans"/>
-            </a:endParaRPr>
-          </a:p>
-          <a:p>
-            <a:r>
-              <a:rPr b="0" lang="en-US" sz="1800" spc="-1" strike="noStrike">
-                <a:solidFill>
-                  <a:srgbClr val="000000"/>
-                </a:solidFill>
-                <a:uFill>
-                  <a:solidFill>
-                    <a:srgbClr val="ffffff"/>
-                  </a:solidFill>
-                </a:uFill>
-                <a:latin typeface="DejaVu Sans"/>
-              </a:rPr>
-              <a:t>Some useful Docker Documentation links:</a:t>
-            </a:r>
-            <a:endParaRPr b="0" lang="en-US" sz="1800" spc="-1" strike="noStrike">
-              <a:solidFill>
-                <a:srgbClr val="000000"/>
-              </a:solidFill>
-              <a:uFill>
-                <a:solidFill>
-                  <a:srgbClr val="ffffff"/>
-                </a:solidFill>
-              </a:uFill>
-              <a:latin typeface="DejaVu Sans"/>
-            </a:endParaRPr>
-          </a:p>
-          <a:p>
+            <a:r>
+              <a:rPr b="1" lang="en-US" sz="1800" spc="-1" strike="noStrike">
+                <a:solidFill>
+                  <a:srgbClr val="000000"/>
+                </a:solidFill>
+                <a:uFill>
+                  <a:solidFill>
+                    <a:srgbClr val="ffffff"/>
+                  </a:solidFill>
+                </a:uFill>
+                <a:latin typeface="DejaVu Sans"/>
+              </a:rPr>
+              <a:t>Understanding Docker</a:t>
+            </a:r>
+            <a:r>
+              <a:rPr b="0" lang="en-US" sz="1800" spc="-1" strike="noStrike">
+                <a:solidFill>
+                  <a:srgbClr val="000000"/>
+                </a:solidFill>
+                <a:uFill>
+                  <a:solidFill>
+                    <a:srgbClr val="ffffff"/>
+                  </a:solidFill>
+                </a:uFill>
+                <a:latin typeface="DejaVu Sans"/>
+              </a:rPr>
+              <a:t>: </a:t>
+            </a:r>
             <a:r>
               <a:rPr b="0" lang="en-US" sz="1800" spc="-1" strike="noStrike">
                 <a:solidFill>
@@ -7663,6 +7718,295 @@
             </a:endParaRPr>
           </a:p>
           <a:p>
+            <a:endParaRPr b="0" lang="en-US" sz="1800" spc="-1" strike="noStrike">
+              <a:solidFill>
+                <a:srgbClr val="000000"/>
+              </a:solidFill>
+              <a:uFill>
+                <a:solidFill>
+                  <a:srgbClr val="ffffff"/>
+                </a:solidFill>
+              </a:uFill>
+              <a:latin typeface="DejaVu Sans"/>
+            </a:endParaRPr>
+          </a:p>
+          <a:p>
+            <a:r>
+              <a:rPr b="1" lang="en-US" sz="1800" spc="-1" strike="noStrike">
+                <a:solidFill>
+                  <a:srgbClr val="000000"/>
+                </a:solidFill>
+                <a:uFill>
+                  <a:solidFill>
+                    <a:srgbClr val="ffffff"/>
+                  </a:solidFill>
+                </a:uFill>
+                <a:latin typeface="DejaVu Sans"/>
+              </a:rPr>
+              <a:t>Dockerfile</a:t>
+            </a:r>
+            <a:endParaRPr b="0" lang="en-US" sz="1800" spc="-1" strike="noStrike">
+              <a:solidFill>
+                <a:srgbClr val="000000"/>
+              </a:solidFill>
+              <a:uFill>
+                <a:solidFill>
+                  <a:srgbClr val="ffffff"/>
+                </a:solidFill>
+              </a:uFill>
+              <a:latin typeface="DejaVu Sans"/>
+            </a:endParaRPr>
+          </a:p>
+          <a:p>
+            <a:r>
+              <a:rPr b="0" lang="en-US" sz="1800" spc="-1" strike="noStrike">
+                <a:solidFill>
+                  <a:srgbClr val="000000"/>
+                </a:solidFill>
+                <a:uFill>
+                  <a:solidFill>
+                    <a:srgbClr val="ffffff"/>
+                  </a:solidFill>
+                </a:uFill>
+                <a:latin typeface="DejaVu Sans"/>
+              </a:rPr>
+              <a:t>Dockerfile reference: </a:t>
+            </a:r>
+            <a:r>
+              <a:rPr b="0" lang="en-US" sz="1800" spc="-1" strike="noStrike">
+                <a:solidFill>
+                  <a:srgbClr val="000000"/>
+                </a:solidFill>
+                <a:uFill>
+                  <a:solidFill>
+                    <a:srgbClr val="ffffff"/>
+                  </a:solidFill>
+                </a:uFill>
+                <a:latin typeface="DejaVu Sans"/>
+                <a:hlinkClick r:id="rId4"/>
+              </a:rPr>
+              <a:t>https://docs.docker.com/engine/reference/builder/</a:t>
+            </a:r>
+            <a:endParaRPr b="0" lang="en-US" sz="1800" spc="-1" strike="noStrike">
+              <a:solidFill>
+                <a:srgbClr val="000000"/>
+              </a:solidFill>
+              <a:uFill>
+                <a:solidFill>
+                  <a:srgbClr val="ffffff"/>
+                </a:solidFill>
+              </a:uFill>
+              <a:latin typeface="DejaVu Sans"/>
+            </a:endParaRPr>
+          </a:p>
+          <a:p>
+            <a:r>
+              <a:rPr b="0" lang="en-US" sz="1800" spc="-1" strike="noStrike">
+                <a:solidFill>
+                  <a:srgbClr val="000000"/>
+                </a:solidFill>
+                <a:uFill>
+                  <a:solidFill>
+                    <a:srgbClr val="ffffff"/>
+                  </a:solidFill>
+                </a:uFill>
+                <a:latin typeface="DejaVu Sans"/>
+              </a:rPr>
+              <a:t>CentOS Dockerfile examples: </a:t>
+            </a:r>
+            <a:r>
+              <a:rPr b="0" lang="en-US" sz="1800" spc="-1" strike="noStrike">
+                <a:solidFill>
+                  <a:srgbClr val="000000"/>
+                </a:solidFill>
+                <a:uFill>
+                  <a:solidFill>
+                    <a:srgbClr val="ffffff"/>
+                  </a:solidFill>
+                </a:uFill>
+                <a:latin typeface="DejaVu Sans"/>
+                <a:hlinkClick r:id="rId5"/>
+              </a:rPr>
+              <a:t>https://docs.docker.com/engine/reference/builder/</a:t>
+            </a:r>
+            <a:endParaRPr b="0" lang="en-US" sz="1800" spc="-1" strike="noStrike">
+              <a:solidFill>
+                <a:srgbClr val="000000"/>
+              </a:solidFill>
+              <a:uFill>
+                <a:solidFill>
+                  <a:srgbClr val="ffffff"/>
+                </a:solidFill>
+              </a:uFill>
+              <a:latin typeface="DejaVu Sans"/>
+            </a:endParaRPr>
+          </a:p>
+          <a:p>
+            <a:endParaRPr b="0" lang="en-US" sz="1800" spc="-1" strike="noStrike">
+              <a:solidFill>
+                <a:srgbClr val="000000"/>
+              </a:solidFill>
+              <a:uFill>
+                <a:solidFill>
+                  <a:srgbClr val="ffffff"/>
+                </a:solidFill>
+              </a:uFill>
+              <a:latin typeface="DejaVu Sans"/>
+            </a:endParaRPr>
+          </a:p>
+          <a:p>
+            <a:r>
+              <a:rPr b="0" lang="en-US" sz="1800" spc="-1" strike="noStrike">
+                <a:solidFill>
+                  <a:srgbClr val="000000"/>
+                </a:solidFill>
+                <a:uFill>
+                  <a:solidFill>
+                    <a:srgbClr val="ffffff"/>
+                  </a:solidFill>
+                </a:uFill>
+                <a:latin typeface="DejaVu Sans"/>
+              </a:rPr>
+              <a:t>ENTRYPOINT vs ADD: </a:t>
+            </a:r>
+            <a:r>
+              <a:rPr b="0" lang="en-US" sz="1800" spc="-1" strike="noStrike">
+                <a:solidFill>
+                  <a:srgbClr val="000000"/>
+                </a:solidFill>
+                <a:uFill>
+                  <a:solidFill>
+                    <a:srgbClr val="ffffff"/>
+                  </a:solidFill>
+                </a:uFill>
+                <a:latin typeface="DejaVu Sans"/>
+                <a:hlinkClick r:id="rId6"/>
+              </a:rPr>
+              <a:t>https://www.ctl.io/developers/blog/post/dockerfile-entrypoint-vs-cmd/</a:t>
+            </a:r>
+            <a:endParaRPr b="0" lang="en-US" sz="1800" spc="-1" strike="noStrike">
+              <a:solidFill>
+                <a:srgbClr val="000000"/>
+              </a:solidFill>
+              <a:uFill>
+                <a:solidFill>
+                  <a:srgbClr val="ffffff"/>
+                </a:solidFill>
+              </a:uFill>
+              <a:latin typeface="DejaVu Sans"/>
+            </a:endParaRPr>
+          </a:p>
+          <a:p>
+            <a:r>
+              <a:rPr b="0" lang="en-US" sz="1800" spc="-1" strike="noStrike">
+                <a:solidFill>
+                  <a:srgbClr val="000000"/>
+                </a:solidFill>
+                <a:uFill>
+                  <a:solidFill>
+                    <a:srgbClr val="ffffff"/>
+                  </a:solidFill>
+                </a:uFill>
+                <a:latin typeface="DejaVu Sans"/>
+              </a:rPr>
+              <a:t>ADD vs COPY: </a:t>
+            </a:r>
+            <a:r>
+              <a:rPr b="0" lang="en-US" sz="1800" spc="-1" strike="noStrike">
+                <a:solidFill>
+                  <a:srgbClr val="000000"/>
+                </a:solidFill>
+                <a:uFill>
+                  <a:solidFill>
+                    <a:srgbClr val="ffffff"/>
+                  </a:solidFill>
+                </a:uFill>
+                <a:latin typeface="DejaVu Sans"/>
+                <a:hlinkClick r:id="rId7"/>
+              </a:rPr>
+              <a:t>https://www.ctl.io/developers/blog/post/dockerfile-add-vs-copy/</a:t>
+            </a:r>
+            <a:endParaRPr b="0" lang="en-US" sz="1800" spc="-1" strike="noStrike">
+              <a:solidFill>
+                <a:srgbClr val="000000"/>
+              </a:solidFill>
+              <a:uFill>
+                <a:solidFill>
+                  <a:srgbClr val="ffffff"/>
+                </a:solidFill>
+              </a:uFill>
+              <a:latin typeface="DejaVu Sans"/>
+            </a:endParaRPr>
+          </a:p>
+          <a:p>
+            <a:endParaRPr b="0" lang="en-US" sz="1800" spc="-1" strike="noStrike">
+              <a:solidFill>
+                <a:srgbClr val="000000"/>
+              </a:solidFill>
+              <a:uFill>
+                <a:solidFill>
+                  <a:srgbClr val="ffffff"/>
+                </a:solidFill>
+              </a:uFill>
+              <a:latin typeface="DejaVu Sans"/>
+            </a:endParaRPr>
+          </a:p>
+          <a:p>
+            <a:endParaRPr b="0" lang="en-US" sz="1800" spc="-1" strike="noStrike">
+              <a:solidFill>
+                <a:srgbClr val="000000"/>
+              </a:solidFill>
+              <a:uFill>
+                <a:solidFill>
+                  <a:srgbClr val="ffffff"/>
+                </a:solidFill>
+              </a:uFill>
+              <a:latin typeface="DejaVu Sans"/>
+            </a:endParaRPr>
+          </a:p>
+          <a:p>
+            <a:r>
+              <a:rPr b="1" lang="en-US" sz="1800" spc="-1" strike="noStrike">
+                <a:solidFill>
+                  <a:srgbClr val="000000"/>
+                </a:solidFill>
+                <a:uFill>
+                  <a:solidFill>
+                    <a:srgbClr val="ffffff"/>
+                  </a:solidFill>
+                </a:uFill>
+                <a:latin typeface="DejaVu Sans"/>
+              </a:rPr>
+              <a:t>Docker Swarm mode</a:t>
+            </a:r>
+            <a:endParaRPr b="0" lang="en-US" sz="1800" spc="-1" strike="noStrike">
+              <a:solidFill>
+                <a:srgbClr val="000000"/>
+              </a:solidFill>
+              <a:uFill>
+                <a:solidFill>
+                  <a:srgbClr val="ffffff"/>
+                </a:solidFill>
+              </a:uFill>
+              <a:latin typeface="DejaVu Sans"/>
+            </a:endParaRPr>
+          </a:p>
+          <a:p>
+            <a:r>
+              <a:rPr b="0" lang="en-US" sz="1800" spc="-1" strike="noStrike">
+                <a:solidFill>
+                  <a:srgbClr val="000000"/>
+                </a:solidFill>
+                <a:uFill>
+                  <a:solidFill>
+                    <a:srgbClr val="ffffff"/>
+                  </a:solidFill>
+                </a:uFill>
+                <a:latin typeface="DejaVu Sans"/>
+                <a:hlinkClick r:id="rId8"/>
+              </a:rPr>
+              <a:t>https://docs.docker.com/engine/swarm/</a:t>
+            </a:r>
             <a:endParaRPr b="0" lang="en-US" sz="1800" spc="-1" strike="noStrike">
               <a:solidFill>
                 <a:srgbClr val="000000"/>
@@ -7760,38 +8104,6 @@
           </a:p>
         </p:txBody>
       </p:sp>
-    </p:spTree>
-  </p:cSld>
-</p:sld>
-</file>
-
-<file path=ppt/slides/slide19.xml><?xml version="1.0" encoding="utf-8"?>
-<p:sld xmlns:a="http://schemas.openxmlformats.org/drawingml/2006/main" xmlns:p="http://schemas.openxmlformats.org/presentationml/2006/main" xmlns:r="http://schemas.openxmlformats.org/officeDocument/2006/relationships" xmlns:p14="http://schemas.microsoft.com/office/powerpoint/2010/main" xmlns:p15="http://schemas.microsoft.com/office/powerpoint/2012/main" xmlns:mc="http://schemas.openxmlformats.org/markup-compatibility/2006">
-  <p:cSld>
-    <p:bg>
-      <p:bgPr>
-        <a:blipFill>
-          <a:blip r:embed="rId1"/>
-          <a:stretch>
-            <a:fillRect/>
-          </a:stretch>
-        </a:blipFill>
-      </p:bgPr>
-    </p:bg>
-    <p:spTree>
-      <p:nvGrpSpPr>
-        <p:cNvPr id="1" name=""/>
-        <p:cNvGrpSpPr/>
-        <p:nvPr/>
-      </p:nvGrpSpPr>
-      <p:grpSpPr>
-        <a:xfrm>
-          <a:off x="0" y="0"/>
-          <a:ext cx="0" cy="0"/>
-          <a:chOff x="0" y="0"/>
-          <a:chExt cx="0" cy="0"/>
-        </a:xfrm>
-      </p:grpSpPr>
     </p:spTree>
   </p:cSld>
 </p:sld>
@@ -10082,6 +10394,61 @@
                 <a:latin typeface="DejaVu Sans"/>
               </a:rPr>
               <a:t>: Add the Hub and your Docker Images to your current workflows.</a:t>
+            </a:r>
+            <a:endParaRPr b="0" lang="en-US" sz="1800" spc="-1" strike="noStrike">
+              <a:solidFill>
+                <a:srgbClr val="000000"/>
+              </a:solidFill>
+              <a:uFill>
+                <a:solidFill>
+                  <a:srgbClr val="ffffff"/>
+                </a:solidFill>
+              </a:uFill>
+              <a:latin typeface="DejaVu Sans"/>
+            </a:endParaRPr>
+          </a:p>
+          <a:p>
+            <a:endParaRPr b="0" lang="en-US" sz="1800" spc="-1" strike="noStrike">
+              <a:solidFill>
+                <a:srgbClr val="000000"/>
+              </a:solidFill>
+              <a:uFill>
+                <a:solidFill>
+                  <a:srgbClr val="ffffff"/>
+                </a:solidFill>
+              </a:uFill>
+              <a:latin typeface="DejaVu Sans"/>
+            </a:endParaRPr>
+          </a:p>
+          <a:p>
+            <a:r>
+              <a:rPr b="0" lang="en-US" sz="1800" spc="-1" strike="noStrike">
+                <a:solidFill>
+                  <a:srgbClr val="000000"/>
+                </a:solidFill>
+                <a:uFill>
+                  <a:solidFill>
+                    <a:srgbClr val="ffffff"/>
+                  </a:solidFill>
+                </a:uFill>
+                <a:latin typeface="DejaVu Sans"/>
+              </a:rPr>
+              <a:t>Can be accessed at website </a:t>
+            </a:r>
+            <a:r>
+              <a:rPr b="0" lang="en-US" sz="1800" spc="-1" strike="noStrike">
+                <a:solidFill>
+                  <a:srgbClr val="000000"/>
+                </a:solidFill>
+                <a:uFill>
+                  <a:solidFill>
+                    <a:srgbClr val="ffffff"/>
+                  </a:solidFill>
+                </a:uFill>
+                <a:latin typeface="DejaVu Sans"/>
+                <a:hlinkClick r:id="rId2"/>
+              </a:rPr>
+              <a:t>https://hub.docker.com/</a:t>
             </a:r>
             <a:endParaRPr b="0" lang="en-US" sz="1800" spc="-1" strike="noStrike">
               <a:solidFill>
